--- a/ppt 16-9/0989.耶稣我信你.pptx
+++ b/ppt 16-9/0989.耶稣我信你.pptx
@@ -5,7 +5,7 @@
     <p:sldMasterId id="2147483648" r:id="rId1"/>
   </p:sldMasterIdLst>
   <p:sldIdLst>
-    <p:sldId id="393" r:id="rId2"/>
+    <p:sldId id="395" r:id="rId2"/>
   </p:sldIdLst>
   <p:sldSz cx="12192000" cy="6858000"/>
   <p:notesSz cx="6858000" cy="9144000"/>
@@ -129,7 +129,7 @@
           <p:cNvPr id="2" name="标题 1">
             <a:extLst>
               <a:ext uri="{FF2B5EF4-FFF2-40B4-BE49-F238E27FC236}">
-                <a16:creationId xmlns:a16="http://schemas.microsoft.com/office/drawing/2014/main" id="{6A0784CB-61AB-60F0-5E72-57974FBCFBD8}"/>
+                <a16:creationId xmlns:a16="http://schemas.microsoft.com/office/drawing/2014/main" id="{9711CEEC-1EBD-E146-A004-8731E6E9940F}"/>
               </a:ext>
             </a:extLst>
           </p:cNvPr>
@@ -166,7 +166,7 @@
           <p:cNvPr id="3" name="副标题 2">
             <a:extLst>
               <a:ext uri="{FF2B5EF4-FFF2-40B4-BE49-F238E27FC236}">
-                <a16:creationId xmlns:a16="http://schemas.microsoft.com/office/drawing/2014/main" id="{E2787161-0C28-2112-F6DF-65532D77A3EA}"/>
+                <a16:creationId xmlns:a16="http://schemas.microsoft.com/office/drawing/2014/main" id="{42BBA5B0-78A2-B719-9EAA-FF9BDB1ABD46}"/>
               </a:ext>
             </a:extLst>
           </p:cNvPr>
@@ -236,7 +236,7 @@
           <p:cNvPr id="4" name="日期占位符 3">
             <a:extLst>
               <a:ext uri="{FF2B5EF4-FFF2-40B4-BE49-F238E27FC236}">
-                <a16:creationId xmlns:a16="http://schemas.microsoft.com/office/drawing/2014/main" id="{2A6A236B-EFEB-E947-EA45-855F910D0A5E}"/>
+                <a16:creationId xmlns:a16="http://schemas.microsoft.com/office/drawing/2014/main" id="{3E9B6D7C-D042-3CC5-0CD2-DB1F1F8F8372}"/>
               </a:ext>
             </a:extLst>
           </p:cNvPr>
@@ -252,7 +252,7 @@
           <a:bodyPr/>
           <a:lstStyle/>
           <a:p>
-            <a:fld id="{835E1286-4C3F-4060-B04A-104D23F2E100}" type="datetimeFigureOut">
+            <a:fld id="{9A58F126-52CF-4A9A-8402-CE2215AE400A}" type="datetimeFigureOut">
               <a:rPr lang="zh-CN" altLang="en-US" smtClean="0"/>
               <a:t>2024/3/10</a:t>
             </a:fld>
@@ -265,7 +265,7 @@
           <p:cNvPr id="5" name="页脚占位符 4">
             <a:extLst>
               <a:ext uri="{FF2B5EF4-FFF2-40B4-BE49-F238E27FC236}">
-                <a16:creationId xmlns:a16="http://schemas.microsoft.com/office/drawing/2014/main" id="{71D2E553-B57A-BD39-C5B7-33FF1F915085}"/>
+                <a16:creationId xmlns:a16="http://schemas.microsoft.com/office/drawing/2014/main" id="{BBF54471-8875-49C5-3C47-D9D7A8AC35D5}"/>
               </a:ext>
             </a:extLst>
           </p:cNvPr>
@@ -290,7 +290,7 @@
           <p:cNvPr id="6" name="灯片编号占位符 5">
             <a:extLst>
               <a:ext uri="{FF2B5EF4-FFF2-40B4-BE49-F238E27FC236}">
-                <a16:creationId xmlns:a16="http://schemas.microsoft.com/office/drawing/2014/main" id="{B5110129-48BD-A076-7E6A-ED54A0DA06B2}"/>
+                <a16:creationId xmlns:a16="http://schemas.microsoft.com/office/drawing/2014/main" id="{FDA6DA68-5F79-8315-FBDC-5808DBBAD14B}"/>
               </a:ext>
             </a:extLst>
           </p:cNvPr>
@@ -306,7 +306,7 @@
           <a:bodyPr/>
           <a:lstStyle/>
           <a:p>
-            <a:fld id="{7198B81B-8EEA-4862-ABEB-241FB4F86CD7}" type="slidenum">
+            <a:fld id="{AF1B15D4-0AB0-46D2-84B4-9A44F682EBEC}" type="slidenum">
               <a:rPr lang="zh-CN" altLang="en-US" smtClean="0"/>
               <a:t>‹#›</a:t>
             </a:fld>
@@ -317,7 +317,7 @@
     </p:spTree>
     <p:extLst>
       <p:ext uri="{BB962C8B-B14F-4D97-AF65-F5344CB8AC3E}">
-        <p14:creationId xmlns:p14="http://schemas.microsoft.com/office/powerpoint/2010/main" val="3006691403"/>
+        <p14:creationId xmlns:p14="http://schemas.microsoft.com/office/powerpoint/2010/main" val="3140812962"/>
       </p:ext>
     </p:extLst>
   </p:cSld>
@@ -349,7 +349,7 @@
           <p:cNvPr id="2" name="标题 1">
             <a:extLst>
               <a:ext uri="{FF2B5EF4-FFF2-40B4-BE49-F238E27FC236}">
-                <a16:creationId xmlns:a16="http://schemas.microsoft.com/office/drawing/2014/main" id="{681884E5-6400-B477-1F97-EF0950B65265}"/>
+                <a16:creationId xmlns:a16="http://schemas.microsoft.com/office/drawing/2014/main" id="{61095447-8E12-929B-698F-798BF5DF1385}"/>
               </a:ext>
             </a:extLst>
           </p:cNvPr>
@@ -377,7 +377,7 @@
           <p:cNvPr id="3" name="竖排文字占位符 2">
             <a:extLst>
               <a:ext uri="{FF2B5EF4-FFF2-40B4-BE49-F238E27FC236}">
-                <a16:creationId xmlns:a16="http://schemas.microsoft.com/office/drawing/2014/main" id="{04DEA5A0-4C55-6D3D-AEF6-E127C8F65F4B}"/>
+                <a16:creationId xmlns:a16="http://schemas.microsoft.com/office/drawing/2014/main" id="{5A5128A8-4733-975B-8669-EEE483AC46E1}"/>
               </a:ext>
             </a:extLst>
           </p:cNvPr>
@@ -434,7 +434,7 @@
           <p:cNvPr id="4" name="日期占位符 3">
             <a:extLst>
               <a:ext uri="{FF2B5EF4-FFF2-40B4-BE49-F238E27FC236}">
-                <a16:creationId xmlns:a16="http://schemas.microsoft.com/office/drawing/2014/main" id="{44FA436B-02B4-F395-12F3-95190F84091F}"/>
+                <a16:creationId xmlns:a16="http://schemas.microsoft.com/office/drawing/2014/main" id="{73E997E2-B00E-F5DA-DBC0-8DC11E02B27C}"/>
               </a:ext>
             </a:extLst>
           </p:cNvPr>
@@ -450,7 +450,7 @@
           <a:bodyPr/>
           <a:lstStyle/>
           <a:p>
-            <a:fld id="{835E1286-4C3F-4060-B04A-104D23F2E100}" type="datetimeFigureOut">
+            <a:fld id="{9A58F126-52CF-4A9A-8402-CE2215AE400A}" type="datetimeFigureOut">
               <a:rPr lang="zh-CN" altLang="en-US" smtClean="0"/>
               <a:t>2024/3/10</a:t>
             </a:fld>
@@ -463,7 +463,7 @@
           <p:cNvPr id="5" name="页脚占位符 4">
             <a:extLst>
               <a:ext uri="{FF2B5EF4-FFF2-40B4-BE49-F238E27FC236}">
-                <a16:creationId xmlns:a16="http://schemas.microsoft.com/office/drawing/2014/main" id="{154F33FA-50C1-B2A4-3935-8966B79F622E}"/>
+                <a16:creationId xmlns:a16="http://schemas.microsoft.com/office/drawing/2014/main" id="{77D05ADB-8C17-503E-3EAE-4C24E3DA319A}"/>
               </a:ext>
             </a:extLst>
           </p:cNvPr>
@@ -488,7 +488,7 @@
           <p:cNvPr id="6" name="灯片编号占位符 5">
             <a:extLst>
               <a:ext uri="{FF2B5EF4-FFF2-40B4-BE49-F238E27FC236}">
-                <a16:creationId xmlns:a16="http://schemas.microsoft.com/office/drawing/2014/main" id="{12F2581C-8ED5-6B0B-A0CA-93605BF478ED}"/>
+                <a16:creationId xmlns:a16="http://schemas.microsoft.com/office/drawing/2014/main" id="{75A77994-9433-D63C-5822-642435E3C090}"/>
               </a:ext>
             </a:extLst>
           </p:cNvPr>
@@ -504,7 +504,7 @@
           <a:bodyPr/>
           <a:lstStyle/>
           <a:p>
-            <a:fld id="{7198B81B-8EEA-4862-ABEB-241FB4F86CD7}" type="slidenum">
+            <a:fld id="{AF1B15D4-0AB0-46D2-84B4-9A44F682EBEC}" type="slidenum">
               <a:rPr lang="zh-CN" altLang="en-US" smtClean="0"/>
               <a:t>‹#›</a:t>
             </a:fld>
@@ -515,7 +515,7 @@
     </p:spTree>
     <p:extLst>
       <p:ext uri="{BB962C8B-B14F-4D97-AF65-F5344CB8AC3E}">
-        <p14:creationId xmlns:p14="http://schemas.microsoft.com/office/powerpoint/2010/main" val="2534289941"/>
+        <p14:creationId xmlns:p14="http://schemas.microsoft.com/office/powerpoint/2010/main" val="1749663522"/>
       </p:ext>
     </p:extLst>
   </p:cSld>
@@ -547,7 +547,7 @@
           <p:cNvPr id="2" name="竖排标题 1">
             <a:extLst>
               <a:ext uri="{FF2B5EF4-FFF2-40B4-BE49-F238E27FC236}">
-                <a16:creationId xmlns:a16="http://schemas.microsoft.com/office/drawing/2014/main" id="{BC5F078C-FAA8-828C-4EAC-A1AECCD18712}"/>
+                <a16:creationId xmlns:a16="http://schemas.microsoft.com/office/drawing/2014/main" id="{A0A0F735-55FA-98F0-5240-BCD570C87A8C}"/>
               </a:ext>
             </a:extLst>
           </p:cNvPr>
@@ -580,7 +580,7 @@
           <p:cNvPr id="3" name="竖排文字占位符 2">
             <a:extLst>
               <a:ext uri="{FF2B5EF4-FFF2-40B4-BE49-F238E27FC236}">
-                <a16:creationId xmlns:a16="http://schemas.microsoft.com/office/drawing/2014/main" id="{F98DBA16-1BEF-CA26-1E72-C57B6F46F400}"/>
+                <a16:creationId xmlns:a16="http://schemas.microsoft.com/office/drawing/2014/main" id="{0E213DCD-25AD-9787-4CBD-DA051DF61BF0}"/>
               </a:ext>
             </a:extLst>
           </p:cNvPr>
@@ -642,7 +642,7 @@
           <p:cNvPr id="4" name="日期占位符 3">
             <a:extLst>
               <a:ext uri="{FF2B5EF4-FFF2-40B4-BE49-F238E27FC236}">
-                <a16:creationId xmlns:a16="http://schemas.microsoft.com/office/drawing/2014/main" id="{34255E8E-7AAA-49F2-2BFF-26F7396218E6}"/>
+                <a16:creationId xmlns:a16="http://schemas.microsoft.com/office/drawing/2014/main" id="{5884CFE7-4A1C-0BA0-8F75-51CC12582D20}"/>
               </a:ext>
             </a:extLst>
           </p:cNvPr>
@@ -658,7 +658,7 @@
           <a:bodyPr/>
           <a:lstStyle/>
           <a:p>
-            <a:fld id="{835E1286-4C3F-4060-B04A-104D23F2E100}" type="datetimeFigureOut">
+            <a:fld id="{9A58F126-52CF-4A9A-8402-CE2215AE400A}" type="datetimeFigureOut">
               <a:rPr lang="zh-CN" altLang="en-US" smtClean="0"/>
               <a:t>2024/3/10</a:t>
             </a:fld>
@@ -671,7 +671,7 @@
           <p:cNvPr id="5" name="页脚占位符 4">
             <a:extLst>
               <a:ext uri="{FF2B5EF4-FFF2-40B4-BE49-F238E27FC236}">
-                <a16:creationId xmlns:a16="http://schemas.microsoft.com/office/drawing/2014/main" id="{63B34E47-5330-AB16-BCD0-F457BA1F9C7D}"/>
+                <a16:creationId xmlns:a16="http://schemas.microsoft.com/office/drawing/2014/main" id="{2C80DFFD-E849-3054-F9E7-6F62440F53DE}"/>
               </a:ext>
             </a:extLst>
           </p:cNvPr>
@@ -696,7 +696,7 @@
           <p:cNvPr id="6" name="灯片编号占位符 5">
             <a:extLst>
               <a:ext uri="{FF2B5EF4-FFF2-40B4-BE49-F238E27FC236}">
-                <a16:creationId xmlns:a16="http://schemas.microsoft.com/office/drawing/2014/main" id="{7AFF6BEA-FA40-DAB5-AE14-8797CF80BA1F}"/>
+                <a16:creationId xmlns:a16="http://schemas.microsoft.com/office/drawing/2014/main" id="{F9AA9FD2-9AC4-FB1E-E90B-1F25A7D2BE2F}"/>
               </a:ext>
             </a:extLst>
           </p:cNvPr>
@@ -712,7 +712,7 @@
           <a:bodyPr/>
           <a:lstStyle/>
           <a:p>
-            <a:fld id="{7198B81B-8EEA-4862-ABEB-241FB4F86CD7}" type="slidenum">
+            <a:fld id="{AF1B15D4-0AB0-46D2-84B4-9A44F682EBEC}" type="slidenum">
               <a:rPr lang="zh-CN" altLang="en-US" smtClean="0"/>
               <a:t>‹#›</a:t>
             </a:fld>
@@ -723,7 +723,7 @@
     </p:spTree>
     <p:extLst>
       <p:ext uri="{BB962C8B-B14F-4D97-AF65-F5344CB8AC3E}">
-        <p14:creationId xmlns:p14="http://schemas.microsoft.com/office/powerpoint/2010/main" val="2158026956"/>
+        <p14:creationId xmlns:p14="http://schemas.microsoft.com/office/powerpoint/2010/main" val="2496515664"/>
       </p:ext>
     </p:extLst>
   </p:cSld>
@@ -755,7 +755,7 @@
           <p:cNvPr id="2" name="标题 1">
             <a:extLst>
               <a:ext uri="{FF2B5EF4-FFF2-40B4-BE49-F238E27FC236}">
-                <a16:creationId xmlns:a16="http://schemas.microsoft.com/office/drawing/2014/main" id="{7E17D734-9242-7AE0-0F3A-903ECD0B4661}"/>
+                <a16:creationId xmlns:a16="http://schemas.microsoft.com/office/drawing/2014/main" id="{82C2D58C-E432-5A9A-C182-1DF23FF18DDE}"/>
               </a:ext>
             </a:extLst>
           </p:cNvPr>
@@ -783,7 +783,7 @@
           <p:cNvPr id="3" name="内容占位符 2">
             <a:extLst>
               <a:ext uri="{FF2B5EF4-FFF2-40B4-BE49-F238E27FC236}">
-                <a16:creationId xmlns:a16="http://schemas.microsoft.com/office/drawing/2014/main" id="{602C90AD-84DB-E99D-75A5-19B0A02348E8}"/>
+                <a16:creationId xmlns:a16="http://schemas.microsoft.com/office/drawing/2014/main" id="{CD39427F-AE16-D9D5-75CB-E894ECCB5D97}"/>
               </a:ext>
             </a:extLst>
           </p:cNvPr>
@@ -840,7 +840,7 @@
           <p:cNvPr id="4" name="日期占位符 3">
             <a:extLst>
               <a:ext uri="{FF2B5EF4-FFF2-40B4-BE49-F238E27FC236}">
-                <a16:creationId xmlns:a16="http://schemas.microsoft.com/office/drawing/2014/main" id="{0712FEF2-107B-8B4F-020F-B7D178940268}"/>
+                <a16:creationId xmlns:a16="http://schemas.microsoft.com/office/drawing/2014/main" id="{61A99B7A-34A9-9CB7-490D-75BC60880B39}"/>
               </a:ext>
             </a:extLst>
           </p:cNvPr>
@@ -856,7 +856,7 @@
           <a:bodyPr/>
           <a:lstStyle/>
           <a:p>
-            <a:fld id="{835E1286-4C3F-4060-B04A-104D23F2E100}" type="datetimeFigureOut">
+            <a:fld id="{9A58F126-52CF-4A9A-8402-CE2215AE400A}" type="datetimeFigureOut">
               <a:rPr lang="zh-CN" altLang="en-US" smtClean="0"/>
               <a:t>2024/3/10</a:t>
             </a:fld>
@@ -869,7 +869,7 @@
           <p:cNvPr id="5" name="页脚占位符 4">
             <a:extLst>
               <a:ext uri="{FF2B5EF4-FFF2-40B4-BE49-F238E27FC236}">
-                <a16:creationId xmlns:a16="http://schemas.microsoft.com/office/drawing/2014/main" id="{5FEAED6C-FA8E-2578-27F6-817DD656994E}"/>
+                <a16:creationId xmlns:a16="http://schemas.microsoft.com/office/drawing/2014/main" id="{D5C0EDC4-667F-A6CA-C167-B444DAA6E971}"/>
               </a:ext>
             </a:extLst>
           </p:cNvPr>
@@ -894,7 +894,7 @@
           <p:cNvPr id="6" name="灯片编号占位符 5">
             <a:extLst>
               <a:ext uri="{FF2B5EF4-FFF2-40B4-BE49-F238E27FC236}">
-                <a16:creationId xmlns:a16="http://schemas.microsoft.com/office/drawing/2014/main" id="{E9512E08-C12A-33F2-F463-0F5A94A7537D}"/>
+                <a16:creationId xmlns:a16="http://schemas.microsoft.com/office/drawing/2014/main" id="{1A91DFFD-E9A1-806A-1A52-037206146305}"/>
               </a:ext>
             </a:extLst>
           </p:cNvPr>
@@ -910,7 +910,7 @@
           <a:bodyPr/>
           <a:lstStyle/>
           <a:p>
-            <a:fld id="{7198B81B-8EEA-4862-ABEB-241FB4F86CD7}" type="slidenum">
+            <a:fld id="{AF1B15D4-0AB0-46D2-84B4-9A44F682EBEC}" type="slidenum">
               <a:rPr lang="zh-CN" altLang="en-US" smtClean="0"/>
               <a:t>‹#›</a:t>
             </a:fld>
@@ -921,7 +921,7 @@
     </p:spTree>
     <p:extLst>
       <p:ext uri="{BB962C8B-B14F-4D97-AF65-F5344CB8AC3E}">
-        <p14:creationId xmlns:p14="http://schemas.microsoft.com/office/powerpoint/2010/main" val="4218284019"/>
+        <p14:creationId xmlns:p14="http://schemas.microsoft.com/office/powerpoint/2010/main" val="756773238"/>
       </p:ext>
     </p:extLst>
   </p:cSld>
@@ -953,7 +953,7 @@
           <p:cNvPr id="2" name="标题 1">
             <a:extLst>
               <a:ext uri="{FF2B5EF4-FFF2-40B4-BE49-F238E27FC236}">
-                <a16:creationId xmlns:a16="http://schemas.microsoft.com/office/drawing/2014/main" id="{5C4FC8CB-6D7A-5F49-D6C4-4DC71CFA6CC5}"/>
+                <a16:creationId xmlns:a16="http://schemas.microsoft.com/office/drawing/2014/main" id="{21C2CC07-D92B-F5DB-48D5-E0268FBB8706}"/>
               </a:ext>
             </a:extLst>
           </p:cNvPr>
@@ -990,7 +990,7 @@
           <p:cNvPr id="3" name="文本占位符 2">
             <a:extLst>
               <a:ext uri="{FF2B5EF4-FFF2-40B4-BE49-F238E27FC236}">
-                <a16:creationId xmlns:a16="http://schemas.microsoft.com/office/drawing/2014/main" id="{D23CC4B8-C330-4A8D-0F9C-40EBCBC9B959}"/>
+                <a16:creationId xmlns:a16="http://schemas.microsoft.com/office/drawing/2014/main" id="{7DA06F83-CFA0-44EB-E3A7-2CADBB37737B}"/>
               </a:ext>
             </a:extLst>
           </p:cNvPr>
@@ -1115,7 +1115,7 @@
           <p:cNvPr id="4" name="日期占位符 3">
             <a:extLst>
               <a:ext uri="{FF2B5EF4-FFF2-40B4-BE49-F238E27FC236}">
-                <a16:creationId xmlns:a16="http://schemas.microsoft.com/office/drawing/2014/main" id="{F0B5E0A3-D59F-7689-05D2-39CD0DB6BF6B}"/>
+                <a16:creationId xmlns:a16="http://schemas.microsoft.com/office/drawing/2014/main" id="{B6666F58-643A-05DF-0091-7A870F8EA853}"/>
               </a:ext>
             </a:extLst>
           </p:cNvPr>
@@ -1131,7 +1131,7 @@
           <a:bodyPr/>
           <a:lstStyle/>
           <a:p>
-            <a:fld id="{835E1286-4C3F-4060-B04A-104D23F2E100}" type="datetimeFigureOut">
+            <a:fld id="{9A58F126-52CF-4A9A-8402-CE2215AE400A}" type="datetimeFigureOut">
               <a:rPr lang="zh-CN" altLang="en-US" smtClean="0"/>
               <a:t>2024/3/10</a:t>
             </a:fld>
@@ -1144,7 +1144,7 @@
           <p:cNvPr id="5" name="页脚占位符 4">
             <a:extLst>
               <a:ext uri="{FF2B5EF4-FFF2-40B4-BE49-F238E27FC236}">
-                <a16:creationId xmlns:a16="http://schemas.microsoft.com/office/drawing/2014/main" id="{8920E4E9-BE92-8854-18BC-AA9DAC9FADBE}"/>
+                <a16:creationId xmlns:a16="http://schemas.microsoft.com/office/drawing/2014/main" id="{0F6E1A7B-6E59-EFAB-F35A-31EB3AF93305}"/>
               </a:ext>
             </a:extLst>
           </p:cNvPr>
@@ -1169,7 +1169,7 @@
           <p:cNvPr id="6" name="灯片编号占位符 5">
             <a:extLst>
               <a:ext uri="{FF2B5EF4-FFF2-40B4-BE49-F238E27FC236}">
-                <a16:creationId xmlns:a16="http://schemas.microsoft.com/office/drawing/2014/main" id="{595DAB76-48E0-2C9E-F3C1-1B612A731BED}"/>
+                <a16:creationId xmlns:a16="http://schemas.microsoft.com/office/drawing/2014/main" id="{2D2EFF4A-E42E-55B4-D5CE-9602079B8ED9}"/>
               </a:ext>
             </a:extLst>
           </p:cNvPr>
@@ -1185,7 +1185,7 @@
           <a:bodyPr/>
           <a:lstStyle/>
           <a:p>
-            <a:fld id="{7198B81B-8EEA-4862-ABEB-241FB4F86CD7}" type="slidenum">
+            <a:fld id="{AF1B15D4-0AB0-46D2-84B4-9A44F682EBEC}" type="slidenum">
               <a:rPr lang="zh-CN" altLang="en-US" smtClean="0"/>
               <a:t>‹#›</a:t>
             </a:fld>
@@ -1196,7 +1196,7 @@
     </p:spTree>
     <p:extLst>
       <p:ext uri="{BB962C8B-B14F-4D97-AF65-F5344CB8AC3E}">
-        <p14:creationId xmlns:p14="http://schemas.microsoft.com/office/powerpoint/2010/main" val="75637938"/>
+        <p14:creationId xmlns:p14="http://schemas.microsoft.com/office/powerpoint/2010/main" val="1799673213"/>
       </p:ext>
     </p:extLst>
   </p:cSld>
@@ -1228,7 +1228,7 @@
           <p:cNvPr id="2" name="标题 1">
             <a:extLst>
               <a:ext uri="{FF2B5EF4-FFF2-40B4-BE49-F238E27FC236}">
-                <a16:creationId xmlns:a16="http://schemas.microsoft.com/office/drawing/2014/main" id="{7E2AFE64-527A-2EBE-6B3A-E22F17E206A1}"/>
+                <a16:creationId xmlns:a16="http://schemas.microsoft.com/office/drawing/2014/main" id="{96A38F6F-846B-5826-4ACE-019B56589A3A}"/>
               </a:ext>
             </a:extLst>
           </p:cNvPr>
@@ -1256,7 +1256,7 @@
           <p:cNvPr id="3" name="内容占位符 2">
             <a:extLst>
               <a:ext uri="{FF2B5EF4-FFF2-40B4-BE49-F238E27FC236}">
-                <a16:creationId xmlns:a16="http://schemas.microsoft.com/office/drawing/2014/main" id="{1D0B2C09-5007-3EF8-B9A9-BA9A70D584CB}"/>
+                <a16:creationId xmlns:a16="http://schemas.microsoft.com/office/drawing/2014/main" id="{A8841F36-428A-6C7E-966B-5D0AE8D5F0A9}"/>
               </a:ext>
             </a:extLst>
           </p:cNvPr>
@@ -1318,7 +1318,7 @@
           <p:cNvPr id="4" name="内容占位符 3">
             <a:extLst>
               <a:ext uri="{FF2B5EF4-FFF2-40B4-BE49-F238E27FC236}">
-                <a16:creationId xmlns:a16="http://schemas.microsoft.com/office/drawing/2014/main" id="{A6DC9D87-460D-0DF5-B2A9-CC76A97E11C7}"/>
+                <a16:creationId xmlns:a16="http://schemas.microsoft.com/office/drawing/2014/main" id="{8A60A546-7F82-C2C9-9919-44B7EB99F58B}"/>
               </a:ext>
             </a:extLst>
           </p:cNvPr>
@@ -1380,7 +1380,7 @@
           <p:cNvPr id="5" name="日期占位符 4">
             <a:extLst>
               <a:ext uri="{FF2B5EF4-FFF2-40B4-BE49-F238E27FC236}">
-                <a16:creationId xmlns:a16="http://schemas.microsoft.com/office/drawing/2014/main" id="{4EEE0665-BE25-F53E-5C0F-3655EB36478F}"/>
+                <a16:creationId xmlns:a16="http://schemas.microsoft.com/office/drawing/2014/main" id="{80447178-C407-5B2A-D658-50CCA416934F}"/>
               </a:ext>
             </a:extLst>
           </p:cNvPr>
@@ -1396,7 +1396,7 @@
           <a:bodyPr/>
           <a:lstStyle/>
           <a:p>
-            <a:fld id="{835E1286-4C3F-4060-B04A-104D23F2E100}" type="datetimeFigureOut">
+            <a:fld id="{9A58F126-52CF-4A9A-8402-CE2215AE400A}" type="datetimeFigureOut">
               <a:rPr lang="zh-CN" altLang="en-US" smtClean="0"/>
               <a:t>2024/3/10</a:t>
             </a:fld>
@@ -1409,7 +1409,7 @@
           <p:cNvPr id="6" name="页脚占位符 5">
             <a:extLst>
               <a:ext uri="{FF2B5EF4-FFF2-40B4-BE49-F238E27FC236}">
-                <a16:creationId xmlns:a16="http://schemas.microsoft.com/office/drawing/2014/main" id="{9650C220-56FE-52D7-04D5-1BBFB50BB1B1}"/>
+                <a16:creationId xmlns:a16="http://schemas.microsoft.com/office/drawing/2014/main" id="{01733C61-924B-098D-1823-9DE7A5A15A64}"/>
               </a:ext>
             </a:extLst>
           </p:cNvPr>
@@ -1434,7 +1434,7 @@
           <p:cNvPr id="7" name="灯片编号占位符 6">
             <a:extLst>
               <a:ext uri="{FF2B5EF4-FFF2-40B4-BE49-F238E27FC236}">
-                <a16:creationId xmlns:a16="http://schemas.microsoft.com/office/drawing/2014/main" id="{A6550287-F79C-69A8-1F7E-29C8F579ACF1}"/>
+                <a16:creationId xmlns:a16="http://schemas.microsoft.com/office/drawing/2014/main" id="{CE0AE25B-8633-C241-8749-C7BC4C1F34A1}"/>
               </a:ext>
             </a:extLst>
           </p:cNvPr>
@@ -1450,7 +1450,7 @@
           <a:bodyPr/>
           <a:lstStyle/>
           <a:p>
-            <a:fld id="{7198B81B-8EEA-4862-ABEB-241FB4F86CD7}" type="slidenum">
+            <a:fld id="{AF1B15D4-0AB0-46D2-84B4-9A44F682EBEC}" type="slidenum">
               <a:rPr lang="zh-CN" altLang="en-US" smtClean="0"/>
               <a:t>‹#›</a:t>
             </a:fld>
@@ -1461,7 +1461,7 @@
     </p:spTree>
     <p:extLst>
       <p:ext uri="{BB962C8B-B14F-4D97-AF65-F5344CB8AC3E}">
-        <p14:creationId xmlns:p14="http://schemas.microsoft.com/office/powerpoint/2010/main" val="3189508313"/>
+        <p14:creationId xmlns:p14="http://schemas.microsoft.com/office/powerpoint/2010/main" val="2069333864"/>
       </p:ext>
     </p:extLst>
   </p:cSld>
@@ -1493,7 +1493,7 @@
           <p:cNvPr id="2" name="标题 1">
             <a:extLst>
               <a:ext uri="{FF2B5EF4-FFF2-40B4-BE49-F238E27FC236}">
-                <a16:creationId xmlns:a16="http://schemas.microsoft.com/office/drawing/2014/main" id="{F78A6CB4-0842-CEA8-A5FA-6E562FE20D22}"/>
+                <a16:creationId xmlns:a16="http://schemas.microsoft.com/office/drawing/2014/main" id="{3A838BEE-B3AC-BD9F-9CDE-7371EAD665D2}"/>
               </a:ext>
             </a:extLst>
           </p:cNvPr>
@@ -1526,7 +1526,7 @@
           <p:cNvPr id="3" name="文本占位符 2">
             <a:extLst>
               <a:ext uri="{FF2B5EF4-FFF2-40B4-BE49-F238E27FC236}">
-                <a16:creationId xmlns:a16="http://schemas.microsoft.com/office/drawing/2014/main" id="{73FA849A-EFD5-735E-31E2-8BEB2C6E2FD9}"/>
+                <a16:creationId xmlns:a16="http://schemas.microsoft.com/office/drawing/2014/main" id="{AE31F8D3-1710-DB55-5A48-1CE0131257EB}"/>
               </a:ext>
             </a:extLst>
           </p:cNvPr>
@@ -1597,7 +1597,7 @@
           <p:cNvPr id="4" name="内容占位符 3">
             <a:extLst>
               <a:ext uri="{FF2B5EF4-FFF2-40B4-BE49-F238E27FC236}">
-                <a16:creationId xmlns:a16="http://schemas.microsoft.com/office/drawing/2014/main" id="{61A6A8F8-709E-3294-1979-868FE8D86976}"/>
+                <a16:creationId xmlns:a16="http://schemas.microsoft.com/office/drawing/2014/main" id="{89B5CBA6-70B5-94F9-269A-4C757516516A}"/>
               </a:ext>
             </a:extLst>
           </p:cNvPr>
@@ -1659,7 +1659,7 @@
           <p:cNvPr id="5" name="文本占位符 4">
             <a:extLst>
               <a:ext uri="{FF2B5EF4-FFF2-40B4-BE49-F238E27FC236}">
-                <a16:creationId xmlns:a16="http://schemas.microsoft.com/office/drawing/2014/main" id="{8BFEBE34-BB38-B845-F895-D9FDE241963C}"/>
+                <a16:creationId xmlns:a16="http://schemas.microsoft.com/office/drawing/2014/main" id="{BBD4BFB8-C280-AE34-5D53-53A63140CCCD}"/>
               </a:ext>
             </a:extLst>
           </p:cNvPr>
@@ -1730,7 +1730,7 @@
           <p:cNvPr id="6" name="内容占位符 5">
             <a:extLst>
               <a:ext uri="{FF2B5EF4-FFF2-40B4-BE49-F238E27FC236}">
-                <a16:creationId xmlns:a16="http://schemas.microsoft.com/office/drawing/2014/main" id="{FAABC61A-6616-F1EC-B4D7-83B747034D27}"/>
+                <a16:creationId xmlns:a16="http://schemas.microsoft.com/office/drawing/2014/main" id="{1C006678-8404-4CE8-80D4-EEF3C3AD62E3}"/>
               </a:ext>
             </a:extLst>
           </p:cNvPr>
@@ -1792,7 +1792,7 @@
           <p:cNvPr id="7" name="日期占位符 6">
             <a:extLst>
               <a:ext uri="{FF2B5EF4-FFF2-40B4-BE49-F238E27FC236}">
-                <a16:creationId xmlns:a16="http://schemas.microsoft.com/office/drawing/2014/main" id="{9FD674CE-2EB2-4E2A-976C-1351C99CE9FB}"/>
+                <a16:creationId xmlns:a16="http://schemas.microsoft.com/office/drawing/2014/main" id="{ABF49577-7F47-9982-56C4-D59596A1A735}"/>
               </a:ext>
             </a:extLst>
           </p:cNvPr>
@@ -1808,7 +1808,7 @@
           <a:bodyPr/>
           <a:lstStyle/>
           <a:p>
-            <a:fld id="{835E1286-4C3F-4060-B04A-104D23F2E100}" type="datetimeFigureOut">
+            <a:fld id="{9A58F126-52CF-4A9A-8402-CE2215AE400A}" type="datetimeFigureOut">
               <a:rPr lang="zh-CN" altLang="en-US" smtClean="0"/>
               <a:t>2024/3/10</a:t>
             </a:fld>
@@ -1821,7 +1821,7 @@
           <p:cNvPr id="8" name="页脚占位符 7">
             <a:extLst>
               <a:ext uri="{FF2B5EF4-FFF2-40B4-BE49-F238E27FC236}">
-                <a16:creationId xmlns:a16="http://schemas.microsoft.com/office/drawing/2014/main" id="{DFE5FA69-22C5-BEE3-3B9E-D22A94E14712}"/>
+                <a16:creationId xmlns:a16="http://schemas.microsoft.com/office/drawing/2014/main" id="{58113CE3-0865-28BC-6578-A1BDBDBA5286}"/>
               </a:ext>
             </a:extLst>
           </p:cNvPr>
@@ -1846,7 +1846,7 @@
           <p:cNvPr id="9" name="灯片编号占位符 8">
             <a:extLst>
               <a:ext uri="{FF2B5EF4-FFF2-40B4-BE49-F238E27FC236}">
-                <a16:creationId xmlns:a16="http://schemas.microsoft.com/office/drawing/2014/main" id="{6A22D44B-AEE7-FCD1-506D-DBE8BB43777A}"/>
+                <a16:creationId xmlns:a16="http://schemas.microsoft.com/office/drawing/2014/main" id="{03A86505-5911-7036-EAF6-9F6E40E02FD1}"/>
               </a:ext>
             </a:extLst>
           </p:cNvPr>
@@ -1862,7 +1862,7 @@
           <a:bodyPr/>
           <a:lstStyle/>
           <a:p>
-            <a:fld id="{7198B81B-8EEA-4862-ABEB-241FB4F86CD7}" type="slidenum">
+            <a:fld id="{AF1B15D4-0AB0-46D2-84B4-9A44F682EBEC}" type="slidenum">
               <a:rPr lang="zh-CN" altLang="en-US" smtClean="0"/>
               <a:t>‹#›</a:t>
             </a:fld>
@@ -1873,7 +1873,7 @@
     </p:spTree>
     <p:extLst>
       <p:ext uri="{BB962C8B-B14F-4D97-AF65-F5344CB8AC3E}">
-        <p14:creationId xmlns:p14="http://schemas.microsoft.com/office/powerpoint/2010/main" val="3635180554"/>
+        <p14:creationId xmlns:p14="http://schemas.microsoft.com/office/powerpoint/2010/main" val="845578016"/>
       </p:ext>
     </p:extLst>
   </p:cSld>
@@ -1905,7 +1905,7 @@
           <p:cNvPr id="2" name="标题 1">
             <a:extLst>
               <a:ext uri="{FF2B5EF4-FFF2-40B4-BE49-F238E27FC236}">
-                <a16:creationId xmlns:a16="http://schemas.microsoft.com/office/drawing/2014/main" id="{EA3F3BBB-AAA0-4F0B-F704-97AC2D8BB981}"/>
+                <a16:creationId xmlns:a16="http://schemas.microsoft.com/office/drawing/2014/main" id="{5A89F2A1-E863-096D-8CDC-997CA1689C31}"/>
               </a:ext>
             </a:extLst>
           </p:cNvPr>
@@ -1933,7 +1933,7 @@
           <p:cNvPr id="3" name="日期占位符 2">
             <a:extLst>
               <a:ext uri="{FF2B5EF4-FFF2-40B4-BE49-F238E27FC236}">
-                <a16:creationId xmlns:a16="http://schemas.microsoft.com/office/drawing/2014/main" id="{DBD389A4-86F4-0B24-007B-139CA08C4449}"/>
+                <a16:creationId xmlns:a16="http://schemas.microsoft.com/office/drawing/2014/main" id="{F946EA92-3998-FBBD-2D78-618837BFC449}"/>
               </a:ext>
             </a:extLst>
           </p:cNvPr>
@@ -1949,7 +1949,7 @@
           <a:bodyPr/>
           <a:lstStyle/>
           <a:p>
-            <a:fld id="{835E1286-4C3F-4060-B04A-104D23F2E100}" type="datetimeFigureOut">
+            <a:fld id="{9A58F126-52CF-4A9A-8402-CE2215AE400A}" type="datetimeFigureOut">
               <a:rPr lang="zh-CN" altLang="en-US" smtClean="0"/>
               <a:t>2024/3/10</a:t>
             </a:fld>
@@ -1962,7 +1962,7 @@
           <p:cNvPr id="4" name="页脚占位符 3">
             <a:extLst>
               <a:ext uri="{FF2B5EF4-FFF2-40B4-BE49-F238E27FC236}">
-                <a16:creationId xmlns:a16="http://schemas.microsoft.com/office/drawing/2014/main" id="{1F9B853D-6749-9F39-9BB7-F96A13AA9A7B}"/>
+                <a16:creationId xmlns:a16="http://schemas.microsoft.com/office/drawing/2014/main" id="{30331FF0-A782-AA0D-CF19-B3C8042A4B54}"/>
               </a:ext>
             </a:extLst>
           </p:cNvPr>
@@ -1987,7 +1987,7 @@
           <p:cNvPr id="5" name="灯片编号占位符 4">
             <a:extLst>
               <a:ext uri="{FF2B5EF4-FFF2-40B4-BE49-F238E27FC236}">
-                <a16:creationId xmlns:a16="http://schemas.microsoft.com/office/drawing/2014/main" id="{44CEC9D0-430B-9F48-E83E-FFA09B301248}"/>
+                <a16:creationId xmlns:a16="http://schemas.microsoft.com/office/drawing/2014/main" id="{5D90BEAD-DBA7-83AF-6C77-19F3C4C33CF1}"/>
               </a:ext>
             </a:extLst>
           </p:cNvPr>
@@ -2003,7 +2003,7 @@
           <a:bodyPr/>
           <a:lstStyle/>
           <a:p>
-            <a:fld id="{7198B81B-8EEA-4862-ABEB-241FB4F86CD7}" type="slidenum">
+            <a:fld id="{AF1B15D4-0AB0-46D2-84B4-9A44F682EBEC}" type="slidenum">
               <a:rPr lang="zh-CN" altLang="en-US" smtClean="0"/>
               <a:t>‹#›</a:t>
             </a:fld>
@@ -2014,7 +2014,7 @@
     </p:spTree>
     <p:extLst>
       <p:ext uri="{BB962C8B-B14F-4D97-AF65-F5344CB8AC3E}">
-        <p14:creationId xmlns:p14="http://schemas.microsoft.com/office/powerpoint/2010/main" val="1842483837"/>
+        <p14:creationId xmlns:p14="http://schemas.microsoft.com/office/powerpoint/2010/main" val="3012337252"/>
       </p:ext>
     </p:extLst>
   </p:cSld>
@@ -2046,7 +2046,7 @@
           <p:cNvPr id="2" name="日期占位符 1">
             <a:extLst>
               <a:ext uri="{FF2B5EF4-FFF2-40B4-BE49-F238E27FC236}">
-                <a16:creationId xmlns:a16="http://schemas.microsoft.com/office/drawing/2014/main" id="{D6310499-C919-8B36-8790-F6EB7D25320A}"/>
+                <a16:creationId xmlns:a16="http://schemas.microsoft.com/office/drawing/2014/main" id="{F4CB0F45-4549-AED1-C243-6E1B438A9DAE}"/>
               </a:ext>
             </a:extLst>
           </p:cNvPr>
@@ -2062,7 +2062,7 @@
           <a:bodyPr/>
           <a:lstStyle/>
           <a:p>
-            <a:fld id="{835E1286-4C3F-4060-B04A-104D23F2E100}" type="datetimeFigureOut">
+            <a:fld id="{9A58F126-52CF-4A9A-8402-CE2215AE400A}" type="datetimeFigureOut">
               <a:rPr lang="zh-CN" altLang="en-US" smtClean="0"/>
               <a:t>2024/3/10</a:t>
             </a:fld>
@@ -2075,7 +2075,7 @@
           <p:cNvPr id="3" name="页脚占位符 2">
             <a:extLst>
               <a:ext uri="{FF2B5EF4-FFF2-40B4-BE49-F238E27FC236}">
-                <a16:creationId xmlns:a16="http://schemas.microsoft.com/office/drawing/2014/main" id="{EDBAF887-5393-C764-1E4B-593E8DCD4AE0}"/>
+                <a16:creationId xmlns:a16="http://schemas.microsoft.com/office/drawing/2014/main" id="{F5AAD572-B233-015A-4756-8F7EC989C4A5}"/>
               </a:ext>
             </a:extLst>
           </p:cNvPr>
@@ -2100,7 +2100,7 @@
           <p:cNvPr id="4" name="灯片编号占位符 3">
             <a:extLst>
               <a:ext uri="{FF2B5EF4-FFF2-40B4-BE49-F238E27FC236}">
-                <a16:creationId xmlns:a16="http://schemas.microsoft.com/office/drawing/2014/main" id="{8BD38C4A-D510-880A-AF34-95803A1CFAFF}"/>
+                <a16:creationId xmlns:a16="http://schemas.microsoft.com/office/drawing/2014/main" id="{261D9A0E-6B86-B067-7A86-AF0524928224}"/>
               </a:ext>
             </a:extLst>
           </p:cNvPr>
@@ -2116,7 +2116,7 @@
           <a:bodyPr/>
           <a:lstStyle/>
           <a:p>
-            <a:fld id="{7198B81B-8EEA-4862-ABEB-241FB4F86CD7}" type="slidenum">
+            <a:fld id="{AF1B15D4-0AB0-46D2-84B4-9A44F682EBEC}" type="slidenum">
               <a:rPr lang="zh-CN" altLang="en-US" smtClean="0"/>
               <a:t>‹#›</a:t>
             </a:fld>
@@ -2127,7 +2127,7 @@
     </p:spTree>
     <p:extLst>
       <p:ext uri="{BB962C8B-B14F-4D97-AF65-F5344CB8AC3E}">
-        <p14:creationId xmlns:p14="http://schemas.microsoft.com/office/powerpoint/2010/main" val="2414337745"/>
+        <p14:creationId xmlns:p14="http://schemas.microsoft.com/office/powerpoint/2010/main" val="2609319720"/>
       </p:ext>
     </p:extLst>
   </p:cSld>
@@ -2159,7 +2159,7 @@
           <p:cNvPr id="2" name="标题 1">
             <a:extLst>
               <a:ext uri="{FF2B5EF4-FFF2-40B4-BE49-F238E27FC236}">
-                <a16:creationId xmlns:a16="http://schemas.microsoft.com/office/drawing/2014/main" id="{CCF7F2E4-A316-5270-C98A-B93B141ACE94}"/>
+                <a16:creationId xmlns:a16="http://schemas.microsoft.com/office/drawing/2014/main" id="{5407F65C-75FD-62E7-AEEB-1A91CE4A70C6}"/>
               </a:ext>
             </a:extLst>
           </p:cNvPr>
@@ -2196,7 +2196,7 @@
           <p:cNvPr id="3" name="内容占位符 2">
             <a:extLst>
               <a:ext uri="{FF2B5EF4-FFF2-40B4-BE49-F238E27FC236}">
-                <a16:creationId xmlns:a16="http://schemas.microsoft.com/office/drawing/2014/main" id="{BF291C5C-6CBA-1019-E12C-5BE64B98E1D6}"/>
+                <a16:creationId xmlns:a16="http://schemas.microsoft.com/office/drawing/2014/main" id="{87A83D31-9DAC-506E-8B5F-C50CBDAFEF51}"/>
               </a:ext>
             </a:extLst>
           </p:cNvPr>
@@ -2286,7 +2286,7 @@
           <p:cNvPr id="4" name="文本占位符 3">
             <a:extLst>
               <a:ext uri="{FF2B5EF4-FFF2-40B4-BE49-F238E27FC236}">
-                <a16:creationId xmlns:a16="http://schemas.microsoft.com/office/drawing/2014/main" id="{138B2DB0-8249-C475-3451-79169AA2203D}"/>
+                <a16:creationId xmlns:a16="http://schemas.microsoft.com/office/drawing/2014/main" id="{E495C121-C64B-C3DD-7AE3-185C94073A06}"/>
               </a:ext>
             </a:extLst>
           </p:cNvPr>
@@ -2357,7 +2357,7 @@
           <p:cNvPr id="5" name="日期占位符 4">
             <a:extLst>
               <a:ext uri="{FF2B5EF4-FFF2-40B4-BE49-F238E27FC236}">
-                <a16:creationId xmlns:a16="http://schemas.microsoft.com/office/drawing/2014/main" id="{B5D8B7E3-00A9-AE79-FED6-CAF9DF2C1F6C}"/>
+                <a16:creationId xmlns:a16="http://schemas.microsoft.com/office/drawing/2014/main" id="{B10A65A1-7CBC-3C70-7735-5D4C7393E75A}"/>
               </a:ext>
             </a:extLst>
           </p:cNvPr>
@@ -2373,7 +2373,7 @@
           <a:bodyPr/>
           <a:lstStyle/>
           <a:p>
-            <a:fld id="{835E1286-4C3F-4060-B04A-104D23F2E100}" type="datetimeFigureOut">
+            <a:fld id="{9A58F126-52CF-4A9A-8402-CE2215AE400A}" type="datetimeFigureOut">
               <a:rPr lang="zh-CN" altLang="en-US" smtClean="0"/>
               <a:t>2024/3/10</a:t>
             </a:fld>
@@ -2386,7 +2386,7 @@
           <p:cNvPr id="6" name="页脚占位符 5">
             <a:extLst>
               <a:ext uri="{FF2B5EF4-FFF2-40B4-BE49-F238E27FC236}">
-                <a16:creationId xmlns:a16="http://schemas.microsoft.com/office/drawing/2014/main" id="{55CD824F-78CF-A28A-DCFF-FDD98AE1B63D}"/>
+                <a16:creationId xmlns:a16="http://schemas.microsoft.com/office/drawing/2014/main" id="{156D08AE-0561-267A-F604-2E5B61D688CA}"/>
               </a:ext>
             </a:extLst>
           </p:cNvPr>
@@ -2411,7 +2411,7 @@
           <p:cNvPr id="7" name="灯片编号占位符 6">
             <a:extLst>
               <a:ext uri="{FF2B5EF4-FFF2-40B4-BE49-F238E27FC236}">
-                <a16:creationId xmlns:a16="http://schemas.microsoft.com/office/drawing/2014/main" id="{D93CF3F2-6C6F-CDAB-9F47-A2279E71C781}"/>
+                <a16:creationId xmlns:a16="http://schemas.microsoft.com/office/drawing/2014/main" id="{5655A851-03B3-7FB7-1D75-D8AD0632947C}"/>
               </a:ext>
             </a:extLst>
           </p:cNvPr>
@@ -2427,7 +2427,7 @@
           <a:bodyPr/>
           <a:lstStyle/>
           <a:p>
-            <a:fld id="{7198B81B-8EEA-4862-ABEB-241FB4F86CD7}" type="slidenum">
+            <a:fld id="{AF1B15D4-0AB0-46D2-84B4-9A44F682EBEC}" type="slidenum">
               <a:rPr lang="zh-CN" altLang="en-US" smtClean="0"/>
               <a:t>‹#›</a:t>
             </a:fld>
@@ -2438,7 +2438,7 @@
     </p:spTree>
     <p:extLst>
       <p:ext uri="{BB962C8B-B14F-4D97-AF65-F5344CB8AC3E}">
-        <p14:creationId xmlns:p14="http://schemas.microsoft.com/office/powerpoint/2010/main" val="3324493658"/>
+        <p14:creationId xmlns:p14="http://schemas.microsoft.com/office/powerpoint/2010/main" val="2950379595"/>
       </p:ext>
     </p:extLst>
   </p:cSld>
@@ -2470,7 +2470,7 @@
           <p:cNvPr id="2" name="标题 1">
             <a:extLst>
               <a:ext uri="{FF2B5EF4-FFF2-40B4-BE49-F238E27FC236}">
-                <a16:creationId xmlns:a16="http://schemas.microsoft.com/office/drawing/2014/main" id="{BC400342-5BD7-B157-F6FA-2B18EE00C77E}"/>
+                <a16:creationId xmlns:a16="http://schemas.microsoft.com/office/drawing/2014/main" id="{FEF35497-513E-5F98-95B1-FD8D7BFC7E59}"/>
               </a:ext>
             </a:extLst>
           </p:cNvPr>
@@ -2507,7 +2507,7 @@
           <p:cNvPr id="3" name="图片占位符 2">
             <a:extLst>
               <a:ext uri="{FF2B5EF4-FFF2-40B4-BE49-F238E27FC236}">
-                <a16:creationId xmlns:a16="http://schemas.microsoft.com/office/drawing/2014/main" id="{9DA18971-24D9-535D-402B-AA96A8F322C2}"/>
+                <a16:creationId xmlns:a16="http://schemas.microsoft.com/office/drawing/2014/main" id="{FAE025D6-4ED4-8E5D-0BB1-DDAB69558EF9}"/>
               </a:ext>
             </a:extLst>
           </p:cNvPr>
@@ -2574,7 +2574,7 @@
           <p:cNvPr id="4" name="文本占位符 3">
             <a:extLst>
               <a:ext uri="{FF2B5EF4-FFF2-40B4-BE49-F238E27FC236}">
-                <a16:creationId xmlns:a16="http://schemas.microsoft.com/office/drawing/2014/main" id="{41D53348-FC11-B716-3003-A91FC82DE02C}"/>
+                <a16:creationId xmlns:a16="http://schemas.microsoft.com/office/drawing/2014/main" id="{B9A7A982-149D-5464-3B1C-A3277B234EC7}"/>
               </a:ext>
             </a:extLst>
           </p:cNvPr>
@@ -2645,7 +2645,7 @@
           <p:cNvPr id="5" name="日期占位符 4">
             <a:extLst>
               <a:ext uri="{FF2B5EF4-FFF2-40B4-BE49-F238E27FC236}">
-                <a16:creationId xmlns:a16="http://schemas.microsoft.com/office/drawing/2014/main" id="{3B94D0BD-80A7-D56E-FC00-39B9FE03D09B}"/>
+                <a16:creationId xmlns:a16="http://schemas.microsoft.com/office/drawing/2014/main" id="{4AACFB63-79C3-1808-6A2B-3F9538901AC2}"/>
               </a:ext>
             </a:extLst>
           </p:cNvPr>
@@ -2661,7 +2661,7 @@
           <a:bodyPr/>
           <a:lstStyle/>
           <a:p>
-            <a:fld id="{835E1286-4C3F-4060-B04A-104D23F2E100}" type="datetimeFigureOut">
+            <a:fld id="{9A58F126-52CF-4A9A-8402-CE2215AE400A}" type="datetimeFigureOut">
               <a:rPr lang="zh-CN" altLang="en-US" smtClean="0"/>
               <a:t>2024/3/10</a:t>
             </a:fld>
@@ -2674,7 +2674,7 @@
           <p:cNvPr id="6" name="页脚占位符 5">
             <a:extLst>
               <a:ext uri="{FF2B5EF4-FFF2-40B4-BE49-F238E27FC236}">
-                <a16:creationId xmlns:a16="http://schemas.microsoft.com/office/drawing/2014/main" id="{0FB520E1-A25A-7991-0682-BE0148F399A8}"/>
+                <a16:creationId xmlns:a16="http://schemas.microsoft.com/office/drawing/2014/main" id="{2BE52A6E-B03A-80D9-A45D-430353D24AA7}"/>
               </a:ext>
             </a:extLst>
           </p:cNvPr>
@@ -2699,7 +2699,7 @@
           <p:cNvPr id="7" name="灯片编号占位符 6">
             <a:extLst>
               <a:ext uri="{FF2B5EF4-FFF2-40B4-BE49-F238E27FC236}">
-                <a16:creationId xmlns:a16="http://schemas.microsoft.com/office/drawing/2014/main" id="{AF381BFC-F56B-2970-4648-C39DAF896EA6}"/>
+                <a16:creationId xmlns:a16="http://schemas.microsoft.com/office/drawing/2014/main" id="{B8E14359-880E-A9FC-5E7E-4EFB64C6A49D}"/>
               </a:ext>
             </a:extLst>
           </p:cNvPr>
@@ -2715,7 +2715,7 @@
           <a:bodyPr/>
           <a:lstStyle/>
           <a:p>
-            <a:fld id="{7198B81B-8EEA-4862-ABEB-241FB4F86CD7}" type="slidenum">
+            <a:fld id="{AF1B15D4-0AB0-46D2-84B4-9A44F682EBEC}" type="slidenum">
               <a:rPr lang="zh-CN" altLang="en-US" smtClean="0"/>
               <a:t>‹#›</a:t>
             </a:fld>
@@ -2726,7 +2726,7 @@
     </p:spTree>
     <p:extLst>
       <p:ext uri="{BB962C8B-B14F-4D97-AF65-F5344CB8AC3E}">
-        <p14:creationId xmlns:p14="http://schemas.microsoft.com/office/powerpoint/2010/main" val="1589190598"/>
+        <p14:creationId xmlns:p14="http://schemas.microsoft.com/office/powerpoint/2010/main" val="1707335154"/>
       </p:ext>
     </p:extLst>
   </p:cSld>
@@ -2763,7 +2763,7 @@
           <p:cNvPr id="2" name="标题占位符 1">
             <a:extLst>
               <a:ext uri="{FF2B5EF4-FFF2-40B4-BE49-F238E27FC236}">
-                <a16:creationId xmlns:a16="http://schemas.microsoft.com/office/drawing/2014/main" id="{216962F0-0027-357C-4510-9826799C85F9}"/>
+                <a16:creationId xmlns:a16="http://schemas.microsoft.com/office/drawing/2014/main" id="{96CB8939-2CEA-B012-012B-75B4769C1EB8}"/>
               </a:ext>
             </a:extLst>
           </p:cNvPr>
@@ -2801,7 +2801,7 @@
           <p:cNvPr id="3" name="文本占位符 2">
             <a:extLst>
               <a:ext uri="{FF2B5EF4-FFF2-40B4-BE49-F238E27FC236}">
-                <a16:creationId xmlns:a16="http://schemas.microsoft.com/office/drawing/2014/main" id="{157858E7-1CDD-D4CE-E0DD-0CF41A1FEB73}"/>
+                <a16:creationId xmlns:a16="http://schemas.microsoft.com/office/drawing/2014/main" id="{07280AD4-CA2E-7C0F-05D2-E1C81363107E}"/>
               </a:ext>
             </a:extLst>
           </p:cNvPr>
@@ -2868,7 +2868,7 @@
           <p:cNvPr id="4" name="日期占位符 3">
             <a:extLst>
               <a:ext uri="{FF2B5EF4-FFF2-40B4-BE49-F238E27FC236}">
-                <a16:creationId xmlns:a16="http://schemas.microsoft.com/office/drawing/2014/main" id="{B7229BDD-8C7C-6A7D-D45F-A0C77EA67C77}"/>
+                <a16:creationId xmlns:a16="http://schemas.microsoft.com/office/drawing/2014/main" id="{992140A7-D65D-166E-58F9-05EAEF864046}"/>
               </a:ext>
             </a:extLst>
           </p:cNvPr>
@@ -2902,7 +2902,7 @@
             </a:lvl1pPr>
           </a:lstStyle>
           <a:p>
-            <a:fld id="{835E1286-4C3F-4060-B04A-104D23F2E100}" type="datetimeFigureOut">
+            <a:fld id="{9A58F126-52CF-4A9A-8402-CE2215AE400A}" type="datetimeFigureOut">
               <a:rPr lang="zh-CN" altLang="en-US" smtClean="0"/>
               <a:t>2024/3/10</a:t>
             </a:fld>
@@ -2915,7 +2915,7 @@
           <p:cNvPr id="5" name="页脚占位符 4">
             <a:extLst>
               <a:ext uri="{FF2B5EF4-FFF2-40B4-BE49-F238E27FC236}">
-                <a16:creationId xmlns:a16="http://schemas.microsoft.com/office/drawing/2014/main" id="{D3EB76A2-0C65-D076-E662-795DFB437D39}"/>
+                <a16:creationId xmlns:a16="http://schemas.microsoft.com/office/drawing/2014/main" id="{63AB6502-F630-2B10-450F-A8A642F54FDD}"/>
               </a:ext>
             </a:extLst>
           </p:cNvPr>
@@ -2958,7 +2958,7 @@
           <p:cNvPr id="6" name="灯片编号占位符 5">
             <a:extLst>
               <a:ext uri="{FF2B5EF4-FFF2-40B4-BE49-F238E27FC236}">
-                <a16:creationId xmlns:a16="http://schemas.microsoft.com/office/drawing/2014/main" id="{0D6D1182-5C8C-1478-E806-92D3B6A4A283}"/>
+                <a16:creationId xmlns:a16="http://schemas.microsoft.com/office/drawing/2014/main" id="{3DADFE49-811E-880D-8279-9B334002586F}"/>
               </a:ext>
             </a:extLst>
           </p:cNvPr>
@@ -2992,7 +2992,7 @@
             </a:lvl1pPr>
           </a:lstStyle>
           <a:p>
-            <a:fld id="{7198B81B-8EEA-4862-ABEB-241FB4F86CD7}" type="slidenum">
+            <a:fld id="{AF1B15D4-0AB0-46D2-84B4-9A44F682EBEC}" type="slidenum">
               <a:rPr lang="zh-CN" altLang="en-US" smtClean="0"/>
               <a:t>‹#›</a:t>
             </a:fld>
@@ -3003,7 +3003,7 @@
     </p:spTree>
     <p:extLst>
       <p:ext uri="{BB962C8B-B14F-4D97-AF65-F5344CB8AC3E}">
-        <p14:creationId xmlns:p14="http://schemas.microsoft.com/office/powerpoint/2010/main" val="2084461248"/>
+        <p14:creationId xmlns:p14="http://schemas.microsoft.com/office/powerpoint/2010/main" val="280831737"/>
       </p:ext>
     </p:extLst>
   </p:cSld>
@@ -3323,7 +3323,7 @@
       </p:grpSpPr>
       <p:pic>
         <p:nvPicPr>
-          <p:cNvPr id="1012738" name="Picture 2" descr="988"/>
+          <p:cNvPr id="1013762" name="Picture 2" descr="989"/>
           <p:cNvPicPr>
             <a:picLocks noChangeAspect="1" noChangeArrowheads="1"/>
           </p:cNvPicPr>
@@ -3375,158 +3375,11 @@
           </a:extLst>
         </p:spPr>
       </p:pic>
-      <p:pic>
-        <p:nvPicPr>
-          <p:cNvPr id="1013763" name="Picture 3" descr="988-2"/>
-          <p:cNvPicPr>
-            <a:picLocks noChangeAspect="1" noChangeArrowheads="1"/>
-          </p:cNvPicPr>
-          <p:nvPr/>
-        </p:nvPicPr>
-        <p:blipFill>
-          <a:blip r:embed="rId3">
-            <a:extLst>
-              <a:ext uri="{28A0092B-C50C-407E-A947-70E740481C1C}">
-                <a14:useLocalDpi xmlns:a14="http://schemas.microsoft.com/office/drawing/2010/main" val="0"/>
-              </a:ext>
-            </a:extLst>
-          </a:blip>
-          <a:srcRect/>
-          <a:stretch>
-            <a:fillRect/>
-          </a:stretch>
-        </p:blipFill>
-        <p:spPr bwMode="auto">
-          <a:xfrm>
-            <a:off x="1524000" y="-12700"/>
-            <a:ext cx="9144000" cy="6843713"/>
-          </a:xfrm>
-          <a:prstGeom prst="rect">
-            <a:avLst/>
-          </a:prstGeom>
-          <a:noFill/>
-          <a:ln>
-            <a:noFill/>
-          </a:ln>
-          <a:effectLst/>
-          <a:extLst>
-            <a:ext uri="{909E8E84-426E-40DD-AFC4-6F175D3DCCD1}">
-              <a14:hiddenFill xmlns:a14="http://schemas.microsoft.com/office/drawing/2010/main">
-                <a:solidFill>
-                  <a:srgbClr val="FFFFFF"/>
-                </a:solidFill>
-              </a14:hiddenFill>
-            </a:ext>
-            <a:ext uri="{91240B29-F687-4F45-9708-019B960494DF}">
-              <a14:hiddenLine xmlns:a14="http://schemas.microsoft.com/office/drawing/2010/main" w="9525">
-                <a:solidFill>
-                  <a:srgbClr val="000000"/>
-                </a:solidFill>
-                <a:miter lim="800000"/>
-                <a:headEnd/>
-                <a:tailEnd/>
-              </a14:hiddenLine>
-            </a:ext>
-            <a:ext uri="{AF507438-7753-43E0-B8FC-AC1667EBCBE1}">
-              <a14:hiddenEffects xmlns:a14="http://schemas.microsoft.com/office/drawing/2010/main">
-                <a:effectLst>
-                  <a:outerShdw dist="35921" dir="2700000" algn="ctr" rotWithShape="0">
-                    <a:srgbClr val="808080"/>
-                  </a:outerShdw>
-                </a:effectLst>
-              </a14:hiddenEffects>
-            </a:ext>
-          </a:extLst>
-        </p:spPr>
-      </p:pic>
     </p:spTree>
   </p:cSld>
   <p:clrMapOvr>
     <a:masterClrMapping/>
   </p:clrMapOvr>
-  <p:timing>
-    <p:tnLst>
-      <p:par>
-        <p:cTn id="1" dur="indefinite" restart="never" nodeType="tmRoot">
-          <p:childTnLst>
-            <p:seq concurrent="1" nextAc="seek">
-              <p:cTn id="2" dur="indefinite" nodeType="mainSeq">
-                <p:childTnLst>
-                  <p:par>
-                    <p:cTn id="3" fill="hold" nodeType="clickPar">
-                      <p:stCondLst>
-                        <p:cond delay="indefinite"/>
-                      </p:stCondLst>
-                      <p:childTnLst>
-                        <p:par>
-                          <p:cTn id="4" fill="hold" nodeType="withGroup">
-                            <p:stCondLst>
-                              <p:cond delay="0"/>
-                            </p:stCondLst>
-                            <p:childTnLst>
-                              <p:par>
-                                <p:cTn id="5" presetID="10" presetClass="entr" presetSubtype="0" fill="hold" nodeType="clickEffect">
-                                  <p:stCondLst>
-                                    <p:cond delay="0"/>
-                                  </p:stCondLst>
-                                  <p:childTnLst>
-                                    <p:set>
-                                      <p:cBhvr>
-                                        <p:cTn id="6" dur="1" fill="hold">
-                                          <p:stCondLst>
-                                            <p:cond delay="0"/>
-                                          </p:stCondLst>
-                                        </p:cTn>
-                                        <p:tgtEl>
-                                          <p:spTgt spid="1013763"/>
-                                        </p:tgtEl>
-                                        <p:attrNameLst>
-                                          <p:attrName>style.visibility</p:attrName>
-                                        </p:attrNameLst>
-                                      </p:cBhvr>
-                                      <p:to>
-                                        <p:strVal val="visible"/>
-                                      </p:to>
-                                    </p:set>
-                                    <p:animEffect transition="in" filter="fade">
-                                      <p:cBhvr>
-                                        <p:cTn id="7" dur="500"/>
-                                        <p:tgtEl>
-                                          <p:spTgt spid="1013763"/>
-                                        </p:tgtEl>
-                                      </p:cBhvr>
-                                    </p:animEffect>
-                                  </p:childTnLst>
-                                </p:cTn>
-                              </p:par>
-                            </p:childTnLst>
-                          </p:cTn>
-                        </p:par>
-                      </p:childTnLst>
-                    </p:cTn>
-                  </p:par>
-                </p:childTnLst>
-              </p:cTn>
-              <p:prevCondLst>
-                <p:cond evt="onPrev" delay="0">
-                  <p:tgtEl>
-                    <p:sldTgt/>
-                  </p:tgtEl>
-                </p:cond>
-              </p:prevCondLst>
-              <p:nextCondLst>
-                <p:cond evt="onNext" delay="0">
-                  <p:tgtEl>
-                    <p:sldTgt/>
-                  </p:tgtEl>
-                </p:cond>
-              </p:nextCondLst>
-            </p:seq>
-          </p:childTnLst>
-        </p:cTn>
-      </p:par>
-    </p:tnLst>
-  </p:timing>
 </p:sld>
 </file>
 
